--- a/assets/techstack.pptx
+++ b/assets/techstack.pptx
@@ -308,7 +308,7 @@
           <a:p>
             <a:fld id="{ECD19FB2-3AAB-4D03-B13A-2960828C78E3}" type="datetimeFigureOut">
               <a:rPr lang="en-US" dirty="0"/>
-              <a:t>17/03/2019</a:t>
+              <a:t>3/17/2019</a:t>
             </a:fld>
             <a:endParaRPr lang="en-US" dirty="0"/>
           </a:p>
@@ -585,7 +585,7 @@
           <a:p>
             <a:fld id="{1B80C674-7DFC-42FE-B9CD-82963CDB1557}" type="datetimeFigureOut">
               <a:rPr lang="en-US" dirty="0"/>
-              <a:t>17/03/2019</a:t>
+              <a:t>3/17/2019</a:t>
             </a:fld>
             <a:endParaRPr lang="en-US" dirty="0"/>
           </a:p>
@@ -772,7 +772,7 @@
           <a:p>
             <a:fld id="{2076456F-F47D-4F25-8053-2A695DA0CA7D}" type="datetimeFigureOut">
               <a:rPr lang="en-US" dirty="0"/>
-              <a:t>17/03/2019</a:t>
+              <a:t>3/17/2019</a:t>
             </a:fld>
             <a:endParaRPr lang="en-US" dirty="0"/>
           </a:p>
@@ -1028,7 +1028,7 @@
           <a:p>
             <a:fld id="{5D6C7379-69CC-4837-9905-BEBA22830C8A}" type="datetimeFigureOut">
               <a:rPr lang="en-US" dirty="0"/>
-              <a:t>17/03/2019</a:t>
+              <a:t>3/17/2019</a:t>
             </a:fld>
             <a:endParaRPr lang="en-US" dirty="0"/>
           </a:p>
@@ -1449,7 +1449,7 @@
           <a:p>
             <a:fld id="{49EB8B7E-8AEE-4F10-BFEE-C999AD004D36}" type="datetimeFigureOut">
               <a:rPr lang="en-US" dirty="0"/>
-              <a:t>17/03/2019</a:t>
+              <a:t>3/17/2019</a:t>
             </a:fld>
             <a:endParaRPr lang="en-US" dirty="0"/>
           </a:p>
@@ -1990,7 +1990,7 @@
           <a:p>
             <a:fld id="{8668F3F9-58BC-440B-B37B-805B9055EF92}" type="datetimeFigureOut">
               <a:rPr lang="en-US" dirty="0"/>
-              <a:t>17/03/2019</a:t>
+              <a:t>3/17/2019</a:t>
             </a:fld>
             <a:endParaRPr lang="en-US" dirty="0"/>
           </a:p>
@@ -2816,7 +2816,7 @@
           <a:p>
             <a:fld id="{0D5A53AF-48EA-489D-8260-9DCAB666386A}" type="datetimeFigureOut">
               <a:rPr lang="en-US" dirty="0"/>
-              <a:t>17/03/2019</a:t>
+              <a:t>3/17/2019</a:t>
             </a:fld>
             <a:endParaRPr lang="en-US" dirty="0"/>
           </a:p>
@@ -2981,7 +2981,7 @@
           <a:p>
             <a:fld id="{0DED02AE-B9A4-47BD-AF8E-97E16144138B}" type="datetimeFigureOut">
               <a:rPr lang="en-US" dirty="0"/>
-              <a:t>17/03/2019</a:t>
+              <a:t>3/17/2019</a:t>
             </a:fld>
             <a:endParaRPr lang="en-US" dirty="0"/>
           </a:p>
@@ -3156,7 +3156,7 @@
           <a:p>
             <a:fld id="{CF0FD78B-DB02-4362-BCDC-98A55456977C}" type="datetimeFigureOut">
               <a:rPr lang="en-US" dirty="0"/>
-              <a:t>17/03/2019</a:t>
+              <a:t>3/17/2019</a:t>
             </a:fld>
             <a:endParaRPr lang="en-US" dirty="0"/>
           </a:p>
@@ -3321,7 +3321,7 @@
           <a:p>
             <a:fld id="{99916976-5D93-46E4-A98A-FAD63E4D0EA8}" type="datetimeFigureOut">
               <a:rPr lang="en-US" dirty="0"/>
-              <a:t>17/03/2019</a:t>
+              <a:t>3/17/2019</a:t>
             </a:fld>
             <a:endParaRPr lang="en-US" dirty="0"/>
           </a:p>
@@ -3573,7 +3573,7 @@
           <a:p>
             <a:fld id="{0F39F4F5-F4D2-4D2A-AB60-88D37ADCB869}" type="datetimeFigureOut">
               <a:rPr lang="en-US" dirty="0"/>
-              <a:t>17/03/2019</a:t>
+              <a:t>3/17/2019</a:t>
             </a:fld>
             <a:endParaRPr lang="en-US" dirty="0"/>
           </a:p>
@@ -3800,7 +3800,7 @@
           <a:p>
             <a:fld id="{D23BC6CE-6D1E-47E5-8859-F31AC5380EB2}" type="datetimeFigureOut">
               <a:rPr lang="en-US" dirty="0"/>
-              <a:t>17/03/2019</a:t>
+              <a:t>3/17/2019</a:t>
             </a:fld>
             <a:endParaRPr lang="en-US" dirty="0"/>
           </a:p>
@@ -4188,7 +4188,7 @@
           <a:p>
             <a:fld id="{B1B4E7C4-4DA4-404D-9965-B13F2DD7D8BF}" type="datetimeFigureOut">
               <a:rPr lang="en-US" dirty="0"/>
-              <a:t>17/03/2019</a:t>
+              <a:t>3/17/2019</a:t>
             </a:fld>
             <a:endParaRPr lang="en-US" dirty="0"/>
           </a:p>
@@ -4301,7 +4301,7 @@
           <a:p>
             <a:fld id="{476FB7AA-4A53-424F-AD41-70827B6504BA}" type="datetimeFigureOut">
               <a:rPr lang="en-US" dirty="0"/>
-              <a:t>17/03/2019</a:t>
+              <a:t>3/17/2019</a:t>
             </a:fld>
             <a:endParaRPr lang="en-US" dirty="0"/>
           </a:p>
@@ -4391,7 +4391,7 @@
           <a:p>
             <a:fld id="{E7884882-FB12-4BC8-9960-9AD8104D7FAE}" type="datetimeFigureOut">
               <a:rPr lang="en-US" dirty="0"/>
-              <a:t>17/03/2019</a:t>
+              <a:t>3/17/2019</a:t>
             </a:fld>
             <a:endParaRPr lang="en-US" dirty="0"/>
           </a:p>
@@ -4659,7 +4659,7 @@
           <a:p>
             <a:fld id="{F7D1BD23-6E54-4D9D-AD88-A2813C73CC25}" type="datetimeFigureOut">
               <a:rPr lang="en-US" dirty="0"/>
-              <a:t>17/03/2019</a:t>
+              <a:t>3/17/2019</a:t>
             </a:fld>
             <a:endParaRPr lang="en-US" dirty="0"/>
           </a:p>
@@ -4935,7 +4935,7 @@
           <a:p>
             <a:fld id="{1471A834-4F3C-4AF9-9C74-05EC35A0F292}" type="datetimeFigureOut">
               <a:rPr lang="en-US" dirty="0"/>
-              <a:t>17/03/2019</a:t>
+              <a:t>3/17/2019</a:t>
             </a:fld>
             <a:endParaRPr lang="en-US" dirty="0"/>
           </a:p>
@@ -5170,7 +5170,7 @@
           <a:p>
             <a:fld id="{51CF1133-3259-4C45-BABA-5B62D9C6F78D}" type="datetimeFigureOut">
               <a:rPr lang="en-US" dirty="0"/>
-              <a:t>17/03/2019</a:t>
+              <a:t>3/17/2019</a:t>
             </a:fld>
             <a:endParaRPr lang="en-US" dirty="0"/>
           </a:p>
@@ -5871,14 +5871,9 @@
               <a:buChar char="•"/>
             </a:pPr>
             <a:r>
-              <a:rPr lang="en-IN" dirty="0" smtClean="0"/>
-              <a:t>jQ</a:t>
-            </a:r>
-            <a:r>
-              <a:rPr lang="en-IN" dirty="0" smtClean="0"/>
-              <a:t>uery</a:t>
-            </a:r>
-            <a:endParaRPr lang="en-IN" dirty="0"/>
+              <a:rPr lang="en-IN" dirty="0"/>
+              <a:t>jQuery</a:t>
+            </a:r>
           </a:p>
           <a:p>
             <a:endParaRPr lang="en-IN" dirty="0"/>
@@ -5987,7 +5982,7 @@
         <p:spPr>
           <a:xfrm>
             <a:off x="7414334" y="1546195"/>
-            <a:ext cx="4409366" cy="4431983"/>
+            <a:ext cx="4409366" cy="5262979"/>
           </a:xfrm>
           <a:prstGeom prst="rect">
             <a:avLst/>
@@ -6102,11 +6097,7 @@
             </a:pPr>
             <a:r>
               <a:rPr lang="en-IN" dirty="0"/>
-              <a:t>Google JavaScript Maps </a:t>
-            </a:r>
-            <a:r>
-              <a:rPr lang="en-IN" dirty="0" smtClean="0"/>
-              <a:t>API</a:t>
+              <a:t>Google JavaScript Maps API</a:t>
             </a:r>
           </a:p>
           <a:p>
@@ -6118,7 +6109,7 @@
           </a:p>
           <a:p>
             <a:r>
-              <a:rPr lang="en-IN" dirty="0" smtClean="0">
+              <a:rPr lang="en-IN" dirty="0">
                 <a:solidFill>
                   <a:schemeClr val="accent5">
                     <a:lumMod val="60000"/>
@@ -6128,14 +6119,6 @@
               </a:rPr>
               <a:t>Custom DNS Hosting</a:t>
             </a:r>
-            <a:endParaRPr lang="en-IN" dirty="0" smtClean="0">
-              <a:solidFill>
-                <a:schemeClr val="accent5">
-                  <a:lumMod val="60000"/>
-                  <a:lumOff val="40000"/>
-                </a:schemeClr>
-              </a:solidFill>
-            </a:endParaRPr>
           </a:p>
           <a:p>
             <a:pPr marL="285750" indent="-285750">
@@ -6143,10 +6126,9 @@
               <a:buChar char="•"/>
             </a:pPr>
             <a:r>
-              <a:rPr lang="en-IN" dirty="0" smtClean="0"/>
+              <a:rPr lang="en-IN" dirty="0"/>
               <a:t>.tech </a:t>
             </a:r>
-            <a:endParaRPr lang="en-IN" dirty="0" smtClean="0"/>
           </a:p>
           <a:p>
             <a:r>
@@ -6154,10 +6136,48 @@
               <a:t>	</a:t>
             </a:r>
             <a:r>
-              <a:rPr lang="en-IN" dirty="0" smtClean="0">
+              <a:rPr lang="en-IN" dirty="0">
                 <a:hlinkClick r:id="rId2"/>
               </a:rPr>
               <a:t>https://zerobug.tech</a:t>
+            </a:r>
+            <a:endParaRPr lang="en-IN" dirty="0"/>
+          </a:p>
+          <a:p>
+            <a:endParaRPr lang="en-IN" dirty="0"/>
+          </a:p>
+          <a:p>
+            <a:r>
+              <a:rPr lang="en-IN" dirty="0">
+                <a:solidFill>
+                  <a:schemeClr val="accent5">
+                    <a:lumMod val="60000"/>
+                    <a:lumOff val="40000"/>
+                  </a:schemeClr>
+                </a:solidFill>
+              </a:rPr>
+              <a:t>Actions on Google</a:t>
+            </a:r>
+          </a:p>
+          <a:p>
+            <a:pPr marL="742950" lvl="1" indent="-285750">
+              <a:buFont typeface="Arial" panose="020B0604020202020204" pitchFamily="34" charset="0"/>
+              <a:buChar char="•"/>
+            </a:pPr>
+            <a:r>
+              <a:rPr lang="en-IN" dirty="0"/>
+              <a:t>Google Assistant</a:t>
+            </a:r>
+            <a:r>
+              <a:rPr lang="en-IN" dirty="0">
+                <a:solidFill>
+                  <a:schemeClr val="accent5">
+                    <a:lumMod val="60000"/>
+                    <a:lumOff val="40000"/>
+                  </a:schemeClr>
+                </a:solidFill>
+              </a:rPr>
+              <a:t> </a:t>
             </a:r>
             <a:endParaRPr lang="en-IN" dirty="0"/>
           </a:p>
